--- a/Slides/slides_intro_f14.pptx
+++ b/Slides/slides_intro_f14.pptx
@@ -5,10 +5,10 @@
     <p:sldMasterId id="2147483648" r:id="rId1"/>
   </p:sldMasterIdLst>
   <p:notesMasterIdLst>
-    <p:notesMasterId r:id="rId100"/>
+    <p:notesMasterId r:id="rId101"/>
   </p:notesMasterIdLst>
   <p:handoutMasterIdLst>
-    <p:handoutMasterId r:id="rId101"/>
+    <p:handoutMasterId r:id="rId102"/>
   </p:handoutMasterIdLst>
   <p:sldIdLst>
     <p:sldId id="256" r:id="rId2"/>
@@ -109,6 +109,7 @@
     <p:sldId id="423" r:id="rId97"/>
     <p:sldId id="424" r:id="rId98"/>
     <p:sldId id="433" r:id="rId99"/>
+    <p:sldId id="483" r:id="rId100"/>
   </p:sldIdLst>
   <p:sldSz cx="9144000" cy="6858000" type="screen4x3"/>
   <p:notesSz cx="7099300" cy="10234613"/>
@@ -239,7 +240,7 @@
   </p:defaultTextStyle>
   <p:extLst>
     <p:ext uri="{EFAFB233-063F-42B5-8137-9DF3F51BA10A}">
-      <p15:sldGuideLst xmlns:p15="http://schemas.microsoft.com/office/powerpoint/2012/main">
+      <p15:sldGuideLst xmlns="" xmlns:p15="http://schemas.microsoft.com/office/powerpoint/2012/main">
         <p15:guide id="1" orient="horz" pos="2160">
           <p15:clr>
             <a:srgbClr val="A4A3A4"/>
@@ -382,11 +383,11 @@
           <c:showBubbleSize val="0"/>
         </c:dLbls>
         <c:gapWidth val="150"/>
-        <c:axId val="160566128"/>
-        <c:axId val="160564560"/>
+        <c:axId val="34911360"/>
+        <c:axId val="34912896"/>
       </c:barChart>
       <c:catAx>
-        <c:axId val="160566128"/>
+        <c:axId val="34911360"/>
         <c:scaling>
           <c:orientation val="minMax"/>
         </c:scaling>
@@ -421,7 +422,7 @@
             <a:endParaRPr lang="en-US"/>
           </a:p>
         </c:txPr>
-        <c:crossAx val="160564560"/>
+        <c:crossAx val="34912896"/>
         <c:crosses val="autoZero"/>
         <c:auto val="1"/>
         <c:lblAlgn val="ctr"/>
@@ -431,7 +432,7 @@
         <c:noMultiLvlLbl val="0"/>
       </c:catAx>
       <c:valAx>
-        <c:axId val="160564560"/>
+        <c:axId val="34912896"/>
         <c:scaling>
           <c:orientation val="minMax"/>
           <c:max val="50000"/>
@@ -468,7 +469,7 @@
             <a:endParaRPr lang="en-US"/>
           </a:p>
         </c:txPr>
-        <c:crossAx val="160566128"/>
+        <c:crossAx val="34911360"/>
         <c:crosses val="autoZero"/>
         <c:crossBetween val="between"/>
         <c:majorUnit val="10000"/>
@@ -642,11 +643,11 @@
           <c:showBubbleSize val="0"/>
         </c:dLbls>
         <c:gapWidth val="150"/>
-        <c:axId val="172795704"/>
-        <c:axId val="172796096"/>
+        <c:axId val="35955456"/>
+        <c:axId val="35956992"/>
       </c:barChart>
       <c:catAx>
-        <c:axId val="172795704"/>
+        <c:axId val="35955456"/>
         <c:scaling>
           <c:orientation val="minMax"/>
         </c:scaling>
@@ -681,7 +682,7 @@
             <a:endParaRPr lang="en-US"/>
           </a:p>
         </c:txPr>
-        <c:crossAx val="172796096"/>
+        <c:crossAx val="35956992"/>
         <c:crosses val="autoZero"/>
         <c:auto val="1"/>
         <c:lblAlgn val="ctr"/>
@@ -691,7 +692,7 @@
         <c:noMultiLvlLbl val="0"/>
       </c:catAx>
       <c:valAx>
-        <c:axId val="172796096"/>
+        <c:axId val="35956992"/>
         <c:scaling>
           <c:orientation val="minMax"/>
           <c:max val="10"/>
@@ -727,7 +728,7 @@
             <a:endParaRPr lang="en-US"/>
           </a:p>
         </c:txPr>
-        <c:crossAx val="172795704"/>
+        <c:crossAx val="35955456"/>
         <c:crosses val="autoZero"/>
         <c:crossBetween val="between"/>
         <c:majorUnit val="2"/>
@@ -902,11 +903,11 @@
           <c:showBubbleSize val="0"/>
         </c:dLbls>
         <c:gapWidth val="150"/>
-        <c:axId val="172796880"/>
-        <c:axId val="172797272"/>
+        <c:axId val="35869056"/>
+        <c:axId val="35870592"/>
       </c:barChart>
       <c:catAx>
-        <c:axId val="172796880"/>
+        <c:axId val="35869056"/>
         <c:scaling>
           <c:orientation val="minMax"/>
         </c:scaling>
@@ -941,7 +942,7 @@
             <a:endParaRPr lang="en-US"/>
           </a:p>
         </c:txPr>
-        <c:crossAx val="172797272"/>
+        <c:crossAx val="35870592"/>
         <c:crosses val="autoZero"/>
         <c:auto val="1"/>
         <c:lblAlgn val="ctr"/>
@@ -951,7 +952,7 @@
         <c:noMultiLvlLbl val="0"/>
       </c:catAx>
       <c:valAx>
-        <c:axId val="172797272"/>
+        <c:axId val="35870592"/>
         <c:scaling>
           <c:orientation val="minMax"/>
           <c:max val="10"/>
@@ -987,7 +988,7 @@
             <a:endParaRPr lang="en-US"/>
           </a:p>
         </c:txPr>
-        <c:crossAx val="172796880"/>
+        <c:crossAx val="35869056"/>
         <c:crosses val="autoZero"/>
         <c:crossBetween val="between"/>
         <c:majorUnit val="2"/>
@@ -2706,11 +2707,11 @@
           <c:showPercent val="0"/>
           <c:showBubbleSize val="0"/>
         </c:dLbls>
-        <c:axId val="174468288"/>
-        <c:axId val="174468680"/>
+        <c:axId val="38423552"/>
+        <c:axId val="38433536"/>
       </c:scatterChart>
       <c:valAx>
-        <c:axId val="174468288"/>
+        <c:axId val="38423552"/>
         <c:scaling>
           <c:orientation val="minMax"/>
           <c:max val="2010"/>
@@ -2747,12 +2748,12 @@
             <a:endParaRPr lang="en-US"/>
           </a:p>
         </c:txPr>
-        <c:crossAx val="174468680"/>
+        <c:crossAx val="38433536"/>
         <c:crosses val="autoZero"/>
         <c:crossBetween val="midCat"/>
       </c:valAx>
       <c:valAx>
-        <c:axId val="174468680"/>
+        <c:axId val="38433536"/>
         <c:scaling>
           <c:orientation val="minMax"/>
         </c:scaling>
@@ -2826,7 +2827,7 @@
             <a:endParaRPr lang="en-US"/>
           </a:p>
         </c:txPr>
-        <c:crossAx val="174468288"/>
+        <c:crossAx val="38423552"/>
         <c:crosses val="autoZero"/>
         <c:crossBetween val="midCat"/>
       </c:valAx>
@@ -4555,11 +4556,11 @@
           <c:showPercent val="0"/>
           <c:showBubbleSize val="0"/>
         </c:dLbls>
-        <c:axId val="174469464"/>
-        <c:axId val="174469856"/>
+        <c:axId val="38124544"/>
+        <c:axId val="38126336"/>
       </c:scatterChart>
       <c:valAx>
-        <c:axId val="174469464"/>
+        <c:axId val="38124544"/>
         <c:scaling>
           <c:orientation val="minMax"/>
           <c:max val="2010"/>
@@ -4596,12 +4597,12 @@
             <a:endParaRPr lang="en-US"/>
           </a:p>
         </c:txPr>
-        <c:crossAx val="174469856"/>
+        <c:crossAx val="38126336"/>
         <c:crosses val="autoZero"/>
         <c:crossBetween val="midCat"/>
       </c:valAx>
       <c:valAx>
-        <c:axId val="174469856"/>
+        <c:axId val="38126336"/>
         <c:scaling>
           <c:orientation val="minMax"/>
         </c:scaling>
@@ -4680,7 +4681,7 @@
             <a:endParaRPr lang="en-US"/>
           </a:p>
         </c:txPr>
-        <c:crossAx val="174469464"/>
+        <c:crossAx val="38124544"/>
         <c:crosses val="autoZero"/>
         <c:crossBetween val="midCat"/>
       </c:valAx>
@@ -6817,11 +6818,11 @@
           <c:showPercent val="0"/>
           <c:showBubbleSize val="0"/>
         </c:dLbls>
-        <c:axId val="174470640"/>
-        <c:axId val="174471032"/>
+        <c:axId val="38290560"/>
+        <c:axId val="38292096"/>
       </c:scatterChart>
       <c:valAx>
-        <c:axId val="174470640"/>
+        <c:axId val="38290560"/>
         <c:scaling>
           <c:orientation val="minMax"/>
           <c:max val="2010"/>
@@ -6858,12 +6859,12 @@
             <a:endParaRPr lang="en-US"/>
           </a:p>
         </c:txPr>
-        <c:crossAx val="174471032"/>
+        <c:crossAx val="38292096"/>
         <c:crossesAt val="-100"/>
         <c:crossBetween val="midCat"/>
       </c:valAx>
       <c:valAx>
-        <c:axId val="174471032"/>
+        <c:axId val="38292096"/>
         <c:scaling>
           <c:orientation val="minMax"/>
         </c:scaling>
@@ -6942,7 +6943,7 @@
             <a:endParaRPr lang="en-US"/>
           </a:p>
         </c:txPr>
-        <c:crossAx val="174470640"/>
+        <c:crossAx val="38290560"/>
         <c:crosses val="autoZero"/>
         <c:crossBetween val="midCat"/>
       </c:valAx>
@@ -10228,11 +10229,11 @@
           <c:showPercent val="0"/>
           <c:showBubbleSize val="0"/>
         </c:dLbls>
-        <c:axId val="174471424"/>
-        <c:axId val="174471816"/>
+        <c:axId val="38386304"/>
+        <c:axId val="38392192"/>
       </c:scatterChart>
       <c:valAx>
-        <c:axId val="174471424"/>
+        <c:axId val="38386304"/>
         <c:scaling>
           <c:orientation val="minMax"/>
           <c:max val="2012"/>
@@ -10269,12 +10270,12 @@
             <a:endParaRPr lang="en-US"/>
           </a:p>
         </c:txPr>
-        <c:crossAx val="174471816"/>
+        <c:crossAx val="38392192"/>
         <c:crossesAt val="-100"/>
         <c:crossBetween val="midCat"/>
       </c:valAx>
       <c:valAx>
-        <c:axId val="174471816"/>
+        <c:axId val="38392192"/>
         <c:scaling>
           <c:orientation val="minMax"/>
           <c:max val="0.2"/>
@@ -10349,7 +10350,7 @@
             <a:endParaRPr lang="en-US"/>
           </a:p>
         </c:txPr>
-        <c:crossAx val="174471424"/>
+        <c:crossAx val="38386304"/>
         <c:crosses val="autoZero"/>
         <c:crossBetween val="midCat"/>
       </c:valAx>
@@ -11709,11 +11710,11 @@
           <c:showPercent val="0"/>
           <c:showBubbleSize val="0"/>
         </c:dLbls>
-        <c:axId val="175841072"/>
-        <c:axId val="175841464"/>
+        <c:axId val="38612352"/>
+        <c:axId val="38646912"/>
       </c:scatterChart>
       <c:valAx>
-        <c:axId val="175841072"/>
+        <c:axId val="38612352"/>
         <c:scaling>
           <c:orientation val="minMax"/>
           <c:max val="2011"/>
@@ -11750,12 +11751,12 @@
             <a:endParaRPr lang="en-US"/>
           </a:p>
         </c:txPr>
-        <c:crossAx val="175841464"/>
+        <c:crossAx val="38646912"/>
         <c:crossesAt val="-100"/>
         <c:crossBetween val="midCat"/>
       </c:valAx>
       <c:valAx>
-        <c:axId val="175841464"/>
+        <c:axId val="38646912"/>
         <c:scaling>
           <c:orientation val="minMax"/>
           <c:max val="5"/>
@@ -11831,7 +11832,7 @@
             <a:endParaRPr lang="en-US"/>
           </a:p>
         </c:txPr>
-        <c:crossAx val="175841072"/>
+        <c:crossAx val="38612352"/>
         <c:crosses val="autoZero"/>
         <c:crossBetween val="midCat"/>
         <c:majorUnit val="0.5"/>
@@ -20721,6 +20722,97 @@
               <a:rPr lang="en-US"/>
               <a:pPr/>
               <a:t>98</a:t>
+            </a:fld>
+            <a:endParaRPr lang="en-US"/>
+          </a:p>
+        </p:txBody>
+      </p:sp>
+      <p:sp>
+        <p:nvSpPr>
+          <p:cNvPr id="142339" name="Rectangle 2"/>
+          <p:cNvSpPr>
+            <a:spLocks noGrp="1" noRot="1" noChangeAspect="1" noChangeArrowheads="1" noTextEdit="1"/>
+          </p:cNvSpPr>
+          <p:nvPr>
+            <p:ph type="sldImg"/>
+          </p:nvPr>
+        </p:nvSpPr>
+        <p:spPr>
+          <a:ln/>
+        </p:spPr>
+      </p:sp>
+      <p:sp>
+        <p:nvSpPr>
+          <p:cNvPr id="142340" name="Rectangle 3"/>
+          <p:cNvSpPr>
+            <a:spLocks noGrp="1" noChangeArrowheads="1"/>
+          </p:cNvSpPr>
+          <p:nvPr>
+            <p:ph type="body" idx="1"/>
+          </p:nvPr>
+        </p:nvSpPr>
+        <p:spPr/>
+        <p:txBody>
+          <a:bodyPr/>
+          <a:lstStyle/>
+          <a:p>
+            <a:pPr eaLnBrk="1" hangingPunct="1"/>
+            <a:endParaRPr lang="en-US" smtClean="0">
+              <a:latin typeface="Arial" pitchFamily="34" charset="0"/>
+              <a:cs typeface="Arial" pitchFamily="34" charset="0"/>
+            </a:endParaRPr>
+          </a:p>
+        </p:txBody>
+      </p:sp>
+    </p:spTree>
+    <p:extLst>
+      <p:ext uri="{BB962C8B-B14F-4D97-AF65-F5344CB8AC3E}">
+        <p14:creationId xmlns:p14="http://schemas.microsoft.com/office/powerpoint/2010/main" val="2134768042"/>
+      </p:ext>
+    </p:extLst>
+  </p:cSld>
+  <p:clrMapOvr>
+    <a:masterClrMapping/>
+  </p:clrMapOvr>
+</p:notes>
+</file>
+
+<file path=ppt/notesSlides/notesSlide91.xml><?xml version="1.0" encoding="utf-8"?>
+<p:notes xmlns:a="http://schemas.openxmlformats.org/drawingml/2006/main" xmlns:r="http://schemas.openxmlformats.org/officeDocument/2006/relationships" xmlns:p="http://schemas.openxmlformats.org/presentationml/2006/main">
+  <p:cSld>
+    <p:spTree>
+      <p:nvGrpSpPr>
+        <p:cNvPr id="1" name=""/>
+        <p:cNvGrpSpPr/>
+        <p:nvPr/>
+      </p:nvGrpSpPr>
+      <p:grpSpPr>
+        <a:xfrm>
+          <a:off x="0" y="0"/>
+          <a:ext cx="0" cy="0"/>
+          <a:chOff x="0" y="0"/>
+          <a:chExt cx="0" cy="0"/>
+        </a:xfrm>
+      </p:grpSpPr>
+      <p:sp>
+        <p:nvSpPr>
+          <p:cNvPr id="142338" name="Rectangle 7"/>
+          <p:cNvSpPr>
+            <a:spLocks noGrp="1" noChangeArrowheads="1"/>
+          </p:cNvSpPr>
+          <p:nvPr>
+            <p:ph type="sldNum" sz="quarter" idx="5"/>
+          </p:nvPr>
+        </p:nvSpPr>
+        <p:spPr/>
+        <p:txBody>
+          <a:bodyPr/>
+          <a:lstStyle/>
+          <a:p>
+            <a:fld id="{F4D9A340-A853-49A2-86A8-DED43F7F5406}" type="slidenum">
+              <a:rPr lang="en-US"/>
+              <a:pPr/>
+              <a:t>99</a:t>
             </a:fld>
             <a:endParaRPr lang="en-US"/>
           </a:p>
@@ -25222,7 +25314,7 @@
             </a:pPr>
             <a:r>
               <a:rPr lang="en-US" sz="2400" dirty="0" smtClean="0"/>
-              <a:t>Where is it headed?</a:t>
+              <a:t>How can you tell? </a:t>
             </a:r>
           </a:p>
           <a:p>
@@ -27109,7 +27201,7 @@
             <a:pPr algn="l" eaLnBrk="1" hangingPunct="1"/>
             <a:r>
               <a:rPr lang="en-US" dirty="0" smtClean="0"/>
-              <a:t>Europe</a:t>
+              <a:t>Crises *** </a:t>
             </a:r>
           </a:p>
         </p:txBody>
@@ -27147,8 +27239,24 @@
             </a:pPr>
             <a:r>
               <a:rPr lang="en-US" sz="2400" dirty="0" smtClean="0"/>
-              <a:t>Why?</a:t>
-            </a:r>
+              <a:t>How can you tell?</a:t>
+            </a:r>
+          </a:p>
+          <a:p>
+            <a:pPr eaLnBrk="1" hangingPunct="1">
+              <a:spcBef>
+                <a:spcPct val="50000"/>
+              </a:spcBef>
+            </a:pPr>
+            <a:r>
+              <a:rPr lang="en-US" sz="2400" dirty="0" smtClean="0"/>
+              <a:t>How did they get </a:t>
+            </a:r>
+            <a:r>
+              <a:rPr lang="en-US" sz="2400" smtClean="0"/>
+              <a:t>that way?  </a:t>
+            </a:r>
+            <a:endParaRPr lang="en-US" sz="2400" dirty="0" smtClean="0"/>
           </a:p>
         </p:txBody>
       </p:sp>
@@ -53686,8 +53794,24 @@
             </a:pPr>
             <a:r>
               <a:rPr lang="en-US" sz="2400" dirty="0" smtClean="0"/>
-              <a:t>Are natural resources critical to economic growth?  </a:t>
-            </a:r>
+              <a:t>Should we save more?  </a:t>
+            </a:r>
+          </a:p>
+          <a:p>
+            <a:pPr eaLnBrk="1" hangingPunct="1">
+              <a:spcBef>
+                <a:spcPts val="1200"/>
+              </a:spcBef>
+            </a:pPr>
+            <a:r>
+              <a:rPr lang="en-US" sz="2400" dirty="0" smtClean="0"/>
+              <a:t>As individuals or as countries</a:t>
+            </a:r>
+            <a:r>
+              <a:rPr lang="en-US" sz="2400" smtClean="0"/>
+              <a:t>? </a:t>
+            </a:r>
+            <a:endParaRPr lang="en-US" sz="2400" dirty="0" smtClean="0"/>
           </a:p>
           <a:p>
             <a:pPr eaLnBrk="1" hangingPunct="1">
@@ -53750,6 +53874,151 @@
         </p:txBody>
       </p:sp>
     </p:spTree>
+  </p:cSld>
+  <p:clrMapOvr>
+    <a:masterClrMapping/>
+  </p:clrMapOvr>
+  <p:timing>
+    <p:tnLst>
+      <p:par>
+        <p:cTn id="1" dur="indefinite" restart="never" nodeType="tmRoot"/>
+      </p:par>
+    </p:tnLst>
+  </p:timing>
+</p:sld>
+</file>
+
+<file path=ppt/slides/slide99.xml><?xml version="1.0" encoding="utf-8"?>
+<p:sld xmlns:a="http://schemas.openxmlformats.org/drawingml/2006/main" xmlns:r="http://schemas.openxmlformats.org/officeDocument/2006/relationships" xmlns:p="http://schemas.openxmlformats.org/presentationml/2006/main">
+  <p:cSld>
+    <p:spTree>
+      <p:nvGrpSpPr>
+        <p:cNvPr id="1" name=""/>
+        <p:cNvGrpSpPr/>
+        <p:nvPr/>
+      </p:nvGrpSpPr>
+      <p:grpSpPr>
+        <a:xfrm>
+          <a:off x="0" y="0"/>
+          <a:ext cx="0" cy="0"/>
+          <a:chOff x="0" y="0"/>
+          <a:chExt cx="0" cy="0"/>
+        </a:xfrm>
+      </p:grpSpPr>
+      <p:sp>
+        <p:nvSpPr>
+          <p:cNvPr id="141314" name="Rectangle 2"/>
+          <p:cNvSpPr>
+            <a:spLocks noGrp="1" noChangeArrowheads="1"/>
+          </p:cNvSpPr>
+          <p:nvPr>
+            <p:ph type="title"/>
+          </p:nvPr>
+        </p:nvSpPr>
+        <p:spPr/>
+        <p:txBody>
+          <a:bodyPr/>
+          <a:lstStyle/>
+          <a:p>
+            <a:pPr algn="l" eaLnBrk="1" hangingPunct="1"/>
+            <a:r>
+              <a:rPr lang="en-US" dirty="0" smtClean="0"/>
+              <a:t>Something for the ride home</a:t>
+            </a:r>
+          </a:p>
+        </p:txBody>
+      </p:sp>
+      <p:sp>
+        <p:nvSpPr>
+          <p:cNvPr id="141315" name="Rectangle 3"/>
+          <p:cNvSpPr>
+            <a:spLocks noGrp="1" noChangeArrowheads="1"/>
+          </p:cNvSpPr>
+          <p:nvPr>
+            <p:ph type="body" idx="1"/>
+          </p:nvPr>
+        </p:nvSpPr>
+        <p:spPr/>
+        <p:txBody>
+          <a:bodyPr/>
+          <a:lstStyle/>
+          <a:p>
+            <a:pPr eaLnBrk="1" hangingPunct="1">
+              <a:spcBef>
+                <a:spcPts val="1200"/>
+              </a:spcBef>
+            </a:pPr>
+            <a:r>
+              <a:rPr lang="en-US" sz="2400" dirty="0" smtClean="0"/>
+              <a:t>Are natural resources critical to economic growth?  </a:t>
+            </a:r>
+          </a:p>
+          <a:p>
+            <a:pPr eaLnBrk="1" hangingPunct="1">
+              <a:spcBef>
+                <a:spcPts val="1200"/>
+              </a:spcBef>
+            </a:pPr>
+            <a:r>
+              <a:rPr lang="en-US" sz="2400" dirty="0" smtClean="0"/>
+              <a:t>Why?  Or why not?  </a:t>
+            </a:r>
+          </a:p>
+          <a:p>
+            <a:pPr eaLnBrk="1" hangingPunct="1">
+              <a:spcBef>
+                <a:spcPts val="1200"/>
+              </a:spcBef>
+            </a:pPr>
+            <a:r>
+              <a:rPr lang="en-US" sz="2400" dirty="0" smtClean="0"/>
+              <a:t>Examples?  </a:t>
+            </a:r>
+            <a:endParaRPr lang="en-US" sz="2400" dirty="0"/>
+          </a:p>
+          <a:p>
+            <a:pPr eaLnBrk="1" hangingPunct="1">
+              <a:spcBef>
+                <a:spcPts val="1200"/>
+              </a:spcBef>
+            </a:pPr>
+            <a:r>
+              <a:rPr lang="en-US" sz="2400" dirty="0" smtClean="0"/>
+              <a:t>Add your thoughts on the discussion page</a:t>
+            </a:r>
+          </a:p>
+        </p:txBody>
+      </p:sp>
+      <p:sp>
+        <p:nvSpPr>
+          <p:cNvPr id="4" name="Slide Number Placeholder 3"/>
+          <p:cNvSpPr>
+            <a:spLocks noGrp="1"/>
+          </p:cNvSpPr>
+          <p:nvPr>
+            <p:ph type="sldNum" sz="quarter" idx="12"/>
+          </p:nvPr>
+        </p:nvSpPr>
+        <p:spPr/>
+        <p:txBody>
+          <a:bodyPr/>
+          <a:lstStyle/>
+          <a:p>
+            <a:fld id="{F6FB92B7-FF3F-48F1-A050-FBDAAD6C6217}" type="slidenum">
+              <a:rPr lang="en-US" smtClean="0"/>
+              <a:pPr/>
+              <a:t>99</a:t>
+            </a:fld>
+            <a:endParaRPr lang="en-US"/>
+          </a:p>
+        </p:txBody>
+      </p:sp>
+    </p:spTree>
+    <p:extLst>
+      <p:ext uri="{BB962C8B-B14F-4D97-AF65-F5344CB8AC3E}">
+        <p14:creationId xmlns:p14="http://schemas.microsoft.com/office/powerpoint/2010/main" val="221484673"/>
+      </p:ext>
+    </p:extLst>
   </p:cSld>
   <p:clrMapOvr>
     <a:masterClrMapping/>
